--- a/caface/caface.pptx
+++ b/caface/caface.pptx
@@ -2453,8 +2453,8 @@
         </p:nvSpPr>
         <p:spPr>
           <a:xfrm rot="5400000">
-            <a:off x="9746024" y="10580641"/>
-            <a:ext cx="3749875" cy="492443"/>
+            <a:off x="9746024" y="10390665"/>
+            <a:ext cx="3749875" cy="872394"/>
           </a:xfrm>
           <a:prstGeom prst="trapezoid">
             <a:avLst>
@@ -2616,8 +2616,8 @@
         </p:nvSpPr>
         <p:spPr>
           <a:xfrm rot="5400000">
-            <a:off x="15625122" y="12796728"/>
-            <a:ext cx="5490192" cy="492443"/>
+            <a:off x="15625122" y="12606752"/>
+            <a:ext cx="5490192" cy="872394"/>
           </a:xfrm>
           <a:prstGeom prst="trapezoid">
             <a:avLst>
@@ -3404,8 +3404,8 @@
         </p:nvCxnSpPr>
         <p:spPr>
           <a:xfrm>
-            <a:off x="11867182" y="10826862"/>
-            <a:ext cx="2055784" cy="529782"/>
+            <a:off x="12057159" y="10826863"/>
+            <a:ext cx="1865808" cy="529781"/>
           </a:xfrm>
           <a:prstGeom prst="bentConnector3">
             <a:avLst>
@@ -3455,8 +3455,8 @@
         </p:nvCxnSpPr>
         <p:spPr>
           <a:xfrm>
-            <a:off x="11867182" y="10826863"/>
-            <a:ext cx="2055784" cy="2457873"/>
+            <a:off x="12057159" y="10826863"/>
+            <a:ext cx="1865808" cy="2457872"/>
           </a:xfrm>
           <a:prstGeom prst="bentConnector3">
             <a:avLst>
@@ -4463,8 +4463,8 @@
         </p:nvCxnSpPr>
         <p:spPr>
           <a:xfrm>
-            <a:off x="11867182" y="10826863"/>
-            <a:ext cx="2055784" cy="4185659"/>
+            <a:off x="12057159" y="10826863"/>
+            <a:ext cx="1865808" cy="4185658"/>
           </a:xfrm>
           <a:prstGeom prst="bentConnector3">
             <a:avLst>
@@ -5042,8 +5042,8 @@
         </p:nvSpPr>
         <p:spPr>
           <a:xfrm rot="5400000">
-            <a:off x="9746024" y="10580641"/>
-            <a:ext cx="3749875" cy="492443"/>
+            <a:off x="9746024" y="10347046"/>
+            <a:ext cx="3749875" cy="959633"/>
           </a:xfrm>
           <a:prstGeom prst="trapezoid">
             <a:avLst>
@@ -5667,8 +5667,8 @@
         </p:nvSpPr>
         <p:spPr>
           <a:xfrm rot="5400000">
-            <a:off x="15625122" y="12796728"/>
-            <a:ext cx="5490192" cy="492443"/>
+            <a:off x="15625122" y="12563133"/>
+            <a:ext cx="5490192" cy="959633"/>
           </a:xfrm>
           <a:prstGeom prst="trapezoid">
             <a:avLst>
@@ -6584,8 +6584,8 @@
         </p:nvCxnSpPr>
         <p:spPr>
           <a:xfrm>
-            <a:off x="11867182" y="10826862"/>
-            <a:ext cx="2055784" cy="529782"/>
+            <a:off x="12100778" y="10826863"/>
+            <a:ext cx="1822189" cy="529781"/>
           </a:xfrm>
           <a:prstGeom prst="bentConnector3">
             <a:avLst>
@@ -6635,8 +6635,8 @@
         </p:nvCxnSpPr>
         <p:spPr>
           <a:xfrm>
-            <a:off x="11867182" y="10826863"/>
-            <a:ext cx="2055784" cy="2457873"/>
+            <a:off x="12100778" y="10826863"/>
+            <a:ext cx="1822189" cy="2457872"/>
           </a:xfrm>
           <a:prstGeom prst="bentConnector3">
             <a:avLst>
@@ -7643,8 +7643,8 @@
         </p:nvCxnSpPr>
         <p:spPr>
           <a:xfrm>
-            <a:off x="11867182" y="10826863"/>
-            <a:ext cx="2055784" cy="4185659"/>
+            <a:off x="12100778" y="10826863"/>
+            <a:ext cx="1822189" cy="4185658"/>
           </a:xfrm>
           <a:prstGeom prst="bentConnector3">
             <a:avLst>
@@ -8146,8 +8146,8 @@
         </p:nvSpPr>
         <p:spPr>
           <a:xfrm rot="5400000">
-            <a:off x="9746024" y="12670698"/>
-            <a:ext cx="3749875" cy="492443"/>
+            <a:off x="9746024" y="12437103"/>
+            <a:ext cx="3749875" cy="959633"/>
           </a:xfrm>
           <a:prstGeom prst="trapezoid">
             <a:avLst>
@@ -8771,8 +8771,8 @@
         </p:nvSpPr>
         <p:spPr>
           <a:xfrm rot="5400000">
-            <a:off x="15625122" y="12796728"/>
-            <a:ext cx="5490192" cy="492443"/>
+            <a:off x="15625122" y="12563133"/>
+            <a:ext cx="5490192" cy="959633"/>
           </a:xfrm>
           <a:prstGeom prst="trapezoid">
             <a:avLst>
@@ -9688,8 +9688,8 @@
         </p:nvCxnSpPr>
         <p:spPr>
           <a:xfrm flipV="1">
-            <a:off x="11867182" y="11356645"/>
-            <a:ext cx="2055784" cy="1560275"/>
+            <a:off x="12100778" y="11356644"/>
+            <a:ext cx="1822189" cy="1560276"/>
           </a:xfrm>
           <a:prstGeom prst="bentConnector3">
             <a:avLst>
@@ -9739,8 +9739,8 @@
         </p:nvCxnSpPr>
         <p:spPr>
           <a:xfrm>
-            <a:off x="11867182" y="12916919"/>
-            <a:ext cx="2055784" cy="367816"/>
+            <a:off x="12100778" y="12916920"/>
+            <a:ext cx="1822189" cy="367815"/>
           </a:xfrm>
           <a:prstGeom prst="bentConnector3">
             <a:avLst>
@@ -10465,8 +10465,8 @@
         </p:nvCxnSpPr>
         <p:spPr>
           <a:xfrm>
-            <a:off x="11867182" y="12916919"/>
-            <a:ext cx="2055784" cy="2095602"/>
+            <a:off x="12100778" y="12916920"/>
+            <a:ext cx="1822189" cy="2095601"/>
           </a:xfrm>
           <a:prstGeom prst="bentConnector3">
             <a:avLst>
@@ -11048,8 +11048,8 @@
         </p:nvSpPr>
         <p:spPr>
           <a:xfrm rot="5400000">
-            <a:off x="9746024" y="15250606"/>
-            <a:ext cx="3749875" cy="492443"/>
+            <a:off x="9746024" y="15017011"/>
+            <a:ext cx="3749875" cy="959633"/>
           </a:xfrm>
           <a:prstGeom prst="trapezoid">
             <a:avLst>
@@ -11673,8 +11673,8 @@
         </p:nvSpPr>
         <p:spPr>
           <a:xfrm rot="5400000">
-            <a:off x="15625122" y="12796728"/>
-            <a:ext cx="5490192" cy="492443"/>
+            <a:off x="15625122" y="12563133"/>
+            <a:ext cx="5490192" cy="959633"/>
           </a:xfrm>
           <a:prstGeom prst="trapezoid">
             <a:avLst>
@@ -12590,8 +12590,8 @@
         </p:nvCxnSpPr>
         <p:spPr>
           <a:xfrm flipV="1">
-            <a:off x="11867182" y="11356645"/>
-            <a:ext cx="2055784" cy="4140183"/>
+            <a:off x="12100778" y="11356644"/>
+            <a:ext cx="1822189" cy="4140184"/>
           </a:xfrm>
           <a:prstGeom prst="bentConnector3">
             <a:avLst>
@@ -12641,8 +12641,8 @@
         </p:nvCxnSpPr>
         <p:spPr>
           <a:xfrm flipV="1">
-            <a:off x="11867182" y="13284735"/>
-            <a:ext cx="2055784" cy="2212092"/>
+            <a:off x="12100778" y="13284735"/>
+            <a:ext cx="1822189" cy="2212093"/>
           </a:xfrm>
           <a:prstGeom prst="bentConnector3">
             <a:avLst>
@@ -13092,8 +13092,8 @@
         </p:nvCxnSpPr>
         <p:spPr>
           <a:xfrm flipV="1">
-            <a:off x="11867182" y="15012521"/>
-            <a:ext cx="2055784" cy="484306"/>
+            <a:off x="12100778" y="15012521"/>
+            <a:ext cx="1822189" cy="484307"/>
           </a:xfrm>
           <a:prstGeom prst="bentConnector3">
             <a:avLst>
